--- a/Ejerccios_propuestos_en_función_de_la_sesión_realizada_Jun-Jul-2022.pptx
+++ b/Ejerccios_propuestos_en_función_de_la_sesión_realizada_Jun-Jul-2022.pptx
@@ -11,8 +11,9 @@
     <p:sldId id="256" r:id="rId3"/>
     <p:sldId id="257" r:id="rId4"/>
     <p:sldId id="258" r:id="rId5"/>
-    <p:sldId id="260" r:id="rId6"/>
-    <p:sldId id="259" r:id="rId7"/>
+    <p:sldId id="259" r:id="rId6"/>
+    <p:sldId id="261" r:id="rId7"/>
+    <p:sldId id="260" r:id="rId8"/>
   </p:sldIdLst>
   <p:sldSz cx="12192000" cy="6858000"/>
   <p:notesSz cx="6858000" cy="9144000"/>
@@ -201,7 +202,7 @@
           <a:p>
             <a:fld id="{0811FF9E-DDBF-4837-8A67-BE23349B1FE5}" type="datetimeFigureOut">
               <a:rPr lang="en-US" smtClean="0"/>
-              <a:t>7/14/2022</a:t>
+              <a:t>7/16/2022</a:t>
             </a:fld>
             <a:endParaRPr lang="en-US"/>
           </a:p>
@@ -849,7 +850,7 @@
           <a:bodyPr/>
           <a:lstStyle/>
           <a:p>
-            <a:fld id="{A2913F65-4845-44D0-8E25-8AFA9B281820}" type="slidenum">
+            <a:fld id="{280CBA88-22A4-4144-BEE8-5B63ED23B01F}" type="slidenum">
               <a:rPr lang="en-US" smtClean="0"/>
               <a:t>‹#›</a:t>
             </a:fld>
@@ -965,6 +966,106 @@
 </p:notes>
 </file>
 
+<file path=ppt/notesSlides/notesSlide6.xml><?xml version="1.0" encoding="utf-8"?>
+<p:notes xmlns:a="http://schemas.openxmlformats.org/drawingml/2006/main" xmlns:r="http://schemas.openxmlformats.org/officeDocument/2006/relationships" xmlns:p="http://schemas.openxmlformats.org/presentationml/2006/main">
+  <p:cSld>
+    <p:spTree>
+      <p:nvGrpSpPr>
+        <p:cNvPr id="1" name=""/>
+        <p:cNvGrpSpPr/>
+        <p:nvPr/>
+      </p:nvGrpSpPr>
+      <p:grpSpPr>
+        <a:xfrm>
+          <a:off x="0" y="0"/>
+          <a:ext cx="0" cy="0"/>
+          <a:chOff x="0" y="0"/>
+          <a:chExt cx="0" cy="0"/>
+        </a:xfrm>
+      </p:grpSpPr>
+      <p:sp>
+        <p:nvSpPr>
+          <p:cNvPr id="2" name="Marcador de posición de imagen de diapositiva 1"/>
+          <p:cNvSpPr>
+            <a:spLocks noGrp="1" noRot="1" noChangeAspect="1" noEditPoints="1"/>
+          </p:cNvSpPr>
+          <p:nvPr>
+            <p:ph type="sldImg"/>
+          </p:nvPr>
+        </p:nvSpPr>
+        <p:spPr>
+          <a:xfrm>
+            <a:off x="381000" y="685800"/>
+            <a:ext cx="6096000" cy="3429000"/>
+          </a:xfrm>
+          <a:prstGeom prst="rect">
+            <a:avLst/>
+          </a:prstGeom>
+        </p:spPr>
+        <p:txBody>
+          <a:bodyPr/>
+          <a:lstStyle/>
+          <a:p/>
+        </p:txBody>
+      </p:sp>
+      <p:sp>
+        <p:nvSpPr>
+          <p:cNvPr id="3" name="Marcador de posición de texto 2"/>
+          <p:cNvSpPr>
+            <a:spLocks noGrp="1" noEditPoints="1"/>
+          </p:cNvSpPr>
+          <p:nvPr>
+            <p:ph type="body" idx="3"/>
+          </p:nvPr>
+        </p:nvSpPr>
+        <p:spPr>
+          <a:prstGeom prst="rect">
+            <a:avLst/>
+          </a:prstGeom>
+        </p:spPr>
+        <p:txBody>
+          <a:bodyPr/>
+          <a:lstStyle/>
+          <a:p>
+            <a:endParaRPr lang="en-US"/>
+          </a:p>
+        </p:txBody>
+      </p:sp>
+      <p:sp>
+        <p:nvSpPr>
+          <p:cNvPr id="4" name="Marcador de posición de número de diapositiva 3"/>
+          <p:cNvSpPr>
+            <a:spLocks noGrp="1" noEditPoints="1"/>
+          </p:cNvSpPr>
+          <p:nvPr>
+            <p:ph type="sldNum" sz="quarter" idx="5"/>
+          </p:nvPr>
+        </p:nvSpPr>
+        <p:spPr>
+          <a:prstGeom prst="rect">
+            <a:avLst/>
+          </a:prstGeom>
+        </p:spPr>
+        <p:txBody>
+          <a:bodyPr/>
+          <a:lstStyle/>
+          <a:p>
+            <a:fld id="{A2913F65-4845-44D0-8E25-8AFA9B281820}" type="slidenum">
+              <a:rPr lang="en-US" smtClean="0"/>
+              <a:t>‹#›</a:t>
+            </a:fld>
+            <a:endParaRPr lang="en-US"/>
+          </a:p>
+        </p:txBody>
+      </p:sp>
+    </p:spTree>
+  </p:cSld>
+  <p:clrMapOvr>
+    <a:masterClrMapping/>
+  </p:clrMapOvr>
+</p:notes>
+</file>
+
 <file path=ppt/slideLayouts/slideLayout1.xml><?xml version="1.0" encoding="utf-8"?>
 <p:sldLayout xmlns:a="http://schemas.openxmlformats.org/drawingml/2006/main" xmlns:r="http://schemas.openxmlformats.org/officeDocument/2006/relationships" xmlns:p="http://schemas.openxmlformats.org/presentationml/2006/main" type="title" preserve="1">
   <p:cSld name="Diapositiva de título">
@@ -1095,7 +1196,7 @@
           <a:p>
             <a:fld id="{71FD7FF2-845F-41B9-944F-35B90659B7D6}" type="datetimeFigureOut">
               <a:rPr lang="en-US" smtClean="0"/>
-              <a:t>7/14/2022</a:t>
+              <a:t>7/16/2022</a:t>
             </a:fld>
             <a:endParaRPr lang="en-US"/>
           </a:p>
@@ -1259,7 +1360,7 @@
           <a:p>
             <a:fld id="{71FD7FF2-845F-41B9-944F-35B90659B7D6}" type="datetimeFigureOut">
               <a:rPr lang="en-US" smtClean="0"/>
-              <a:t>7/14/2022</a:t>
+              <a:t>7/16/2022</a:t>
             </a:fld>
             <a:endParaRPr lang="en-US"/>
           </a:p>
@@ -1433,7 +1534,7 @@
           <a:p>
             <a:fld id="{71FD7FF2-845F-41B9-944F-35B90659B7D6}" type="datetimeFigureOut">
               <a:rPr lang="en-US" smtClean="0"/>
-              <a:t>7/14/2022</a:t>
+              <a:t>7/16/2022</a:t>
             </a:fld>
             <a:endParaRPr lang="en-US"/>
           </a:p>
@@ -1597,7 +1698,7 @@
           <a:p>
             <a:fld id="{71FD7FF2-845F-41B9-944F-35B90659B7D6}" type="datetimeFigureOut">
               <a:rPr lang="en-US" smtClean="0"/>
-              <a:t>7/14/2022</a:t>
+              <a:t>7/16/2022</a:t>
             </a:fld>
             <a:endParaRPr lang="en-US"/>
           </a:p>
@@ -1838,7 +1939,7 @@
           <a:p>
             <a:fld id="{71FD7FF2-845F-41B9-944F-35B90659B7D6}" type="datetimeFigureOut">
               <a:rPr lang="en-US" smtClean="0"/>
-              <a:t>7/14/2022</a:t>
+              <a:t>7/16/2022</a:t>
             </a:fld>
             <a:endParaRPr lang="en-US"/>
           </a:p>
@@ -2063,7 +2164,7 @@
           <a:p>
             <a:fld id="{71FD7FF2-845F-41B9-944F-35B90659B7D6}" type="datetimeFigureOut">
               <a:rPr lang="en-US" smtClean="0"/>
-              <a:t>7/14/2022</a:t>
+              <a:t>7/16/2022</a:t>
             </a:fld>
             <a:endParaRPr lang="en-US"/>
           </a:p>
@@ -2423,7 +2524,7 @@
           <a:p>
             <a:fld id="{71FD7FF2-845F-41B9-944F-35B90659B7D6}" type="datetimeFigureOut">
               <a:rPr lang="en-US" smtClean="0"/>
-              <a:t>7/14/2022</a:t>
+              <a:t>7/16/2022</a:t>
             </a:fld>
             <a:endParaRPr lang="en-US"/>
           </a:p>
@@ -2536,7 +2637,7 @@
           <a:p>
             <a:fld id="{71FD7FF2-845F-41B9-944F-35B90659B7D6}" type="datetimeFigureOut">
               <a:rPr lang="en-US" smtClean="0"/>
-              <a:t>7/14/2022</a:t>
+              <a:t>7/16/2022</a:t>
             </a:fld>
             <a:endParaRPr lang="en-US"/>
           </a:p>
@@ -2627,7 +2728,7 @@
           <a:p>
             <a:fld id="{71FD7FF2-845F-41B9-944F-35B90659B7D6}" type="datetimeFigureOut">
               <a:rPr lang="en-US" smtClean="0"/>
-              <a:t>7/14/2022</a:t>
+              <a:t>7/16/2022</a:t>
             </a:fld>
             <a:endParaRPr lang="en-US"/>
           </a:p>
@@ -2898,7 +2999,7 @@
           <a:p>
             <a:fld id="{71FD7FF2-845F-41B9-944F-35B90659B7D6}" type="datetimeFigureOut">
               <a:rPr lang="en-US" smtClean="0"/>
-              <a:t>7/14/2022</a:t>
+              <a:t>7/16/2022</a:t>
             </a:fld>
             <a:endParaRPr lang="en-US"/>
           </a:p>
@@ -3150,7 +3251,7 @@
           <a:p>
             <a:fld id="{71FD7FF2-845F-41B9-944F-35B90659B7D6}" type="datetimeFigureOut">
               <a:rPr lang="en-US" smtClean="0"/>
-              <a:t>7/14/2022</a:t>
+              <a:t>7/16/2022</a:t>
             </a:fld>
             <a:endParaRPr lang="en-US"/>
           </a:p>
@@ -3357,7 +3458,7 @@
           <a:p>
             <a:fld id="{71FD7FF2-845F-41B9-944F-35B90659B7D6}" type="datetimeFigureOut">
               <a:rPr lang="en-US" smtClean="0"/>
-              <a:t>7/14/2022</a:t>
+              <a:t>7/16/2022</a:t>
             </a:fld>
             <a:endParaRPr lang="en-US"/>
           </a:p>
@@ -4027,9 +4128,7 @@
       </p:grpSpPr>
       <p:sp>
         <p:nvSpPr>
-          <p:cNvPr id="2" name="Título 1">
-            <a:hlinkClick r:id="rId1"/>
-          </p:cNvPr>
+          <p:cNvPr id="2" name="Título 1"/>
           <p:cNvSpPr>
             <a:spLocks noGrp="1" noEditPoints="1"/>
           </p:cNvSpPr>
@@ -4037,57 +4136,28 @@
             <p:ph type="title"/>
           </p:nvPr>
         </p:nvSpPr>
-        <p:spPr>
-          <a:xfrm>
-            <a:off x="7098164" y="365125"/>
-            <a:ext cx="4255636" cy="1325563"/>
-          </a:xfrm>
-        </p:spPr>
-        <p:txBody>
-          <a:bodyPr/>
-          <a:lstStyle/>
-          <a:p>
-            <a:r>
-              <a:t>C:\Users\fidel</a:t>
-            </a:r>
-          </a:p>
-        </p:txBody>
-      </p:sp>
-      <p:pic>
-        <p:nvPicPr>
-          <p:cNvPr id="4" name="Imagen 3"/>
-          <p:cNvPicPr>
-            <a:picLocks noChangeAspect="1"/>
-          </p:cNvPicPr>
-          <p:nvPr/>
-        </p:nvPicPr>
-        <p:blipFill>
-          <a:blip r:embed="rId2"/>
-          <a:srcRect/>
-          <a:stretch>
-            <a:fillRect/>
-          </a:stretch>
-        </p:blipFill>
-        <p:spPr>
-          <a:xfrm>
-            <a:off x="0" y="205757"/>
-            <a:ext cx="3865069" cy="6393116"/>
-          </a:xfrm>
-          <a:prstGeom prst="rect">
-            <a:avLst/>
-          </a:prstGeom>
-        </p:spPr>
-      </p:pic>
-      <p:sp>
-        <p:nvSpPr>
-          <p:cNvPr id="5" name="Cuadro de texto 4"/>
+        <p:spPr/>
+        <p:txBody>
+          <a:bodyPr/>
+          <a:lstStyle/>
+          <a:p>
+            <a:r>
+              <a:rPr lang="es-ES"/>
+              <a:t>Sesión 13 Julio (ver doc)</a:t>
+            </a:r>
+          </a:p>
+        </p:txBody>
+      </p:sp>
+      <p:sp>
+        <p:nvSpPr>
+          <p:cNvPr id="4" name="Cuadro de texto 3"/>
           <p:cNvSpPr txBox="1"/>
           <p:nvPr/>
         </p:nvSpPr>
         <p:spPr>
           <a:xfrm>
-            <a:off x="4476379" y="3402315"/>
-            <a:ext cx="5243569" cy="366801"/>
+            <a:off x="1828800" y="2148319"/>
+            <a:ext cx="8534400" cy="2561361"/>
           </a:xfrm>
           <a:prstGeom prst="rect">
             <a:avLst/>
@@ -4102,308 +4172,37 @@
           <a:p>
             <a:r>
               <a:rPr lang="en-US"/>
-              <a:t>Sesión-29Junio-2022---Intro-JavaScript_files</a:t>
-            </a:r>
-          </a:p>
-        </p:txBody>
-      </p:sp>
-      <p:sp>
-        <p:nvSpPr>
-          <p:cNvPr id="6" name="Cuadro de texto 5"/>
-          <p:cNvSpPr txBox="1"/>
-          <p:nvPr/>
-        </p:nvSpPr>
-        <p:spPr>
-          <a:xfrm>
-            <a:off x="2393831" y="4061773"/>
-            <a:ext cx="9408665" cy="366801"/>
-          </a:xfrm>
-          <a:prstGeom prst="rect">
-            <a:avLst/>
-          </a:prstGeom>
-          <a:noFill/>
-        </p:spPr>
-        <p:txBody>
-          <a:bodyPr wrap="square" rtlCol="0">
-            <a:spAutoFit/>
-          </a:bodyPr>
-          <a:lstStyle/>
+              <a:t>Crear una funció en ES5 que rebi un paràmetre numèric i retorni el doble del valor rebut.</a:t>
+            </a:r>
+          </a:p>
+          <a:p>
+            <a:endParaRPr lang="en-US"/>
+          </a:p>
           <a:p>
             <a:r>
               <a:rPr lang="en-US"/>
-              <a:t>Javascript-sesión-4JULIO-2022--Scope-Operaciones-Variables-Operadores-Ejerc-Calculadora_files</a:t>
-            </a:r>
-          </a:p>
-        </p:txBody>
-      </p:sp>
-      <p:sp>
-        <p:nvSpPr>
-          <p:cNvPr id="7" name="Cuadro de texto 6"/>
-          <p:cNvSpPr txBox="1"/>
-          <p:nvPr/>
-        </p:nvSpPr>
-        <p:spPr>
-          <a:xfrm>
-            <a:off x="3420791" y="4771258"/>
-            <a:ext cx="8534400" cy="366801"/>
-          </a:xfrm>
-          <a:prstGeom prst="rect">
-            <a:avLst/>
-          </a:prstGeom>
-          <a:noFill/>
-        </p:spPr>
-        <p:txBody>
-          <a:bodyPr wrap="square" rtlCol="0">
-            <a:spAutoFit/>
-          </a:bodyPr>
-          <a:lstStyle/>
+              <a:t>Crear la mateixa funció en ES6.</a:t>
+            </a:r>
+          </a:p>
+          <a:p>
+            <a:endParaRPr lang="en-US"/>
+          </a:p>
           <a:p>
             <a:r>
               <a:rPr lang="en-US"/>
-              <a:t>SESION--06JULIO--JS--Funciones_files</a:t>
-            </a:r>
-          </a:p>
-        </p:txBody>
-      </p:sp>
-      <p:sp>
-        <p:nvSpPr>
-          <p:cNvPr id="8" name="Cuadro de texto 7"/>
-          <p:cNvSpPr txBox="1"/>
-          <p:nvPr/>
-        </p:nvSpPr>
-        <p:spPr>
-          <a:xfrm>
-            <a:off x="3195259" y="5392778"/>
-            <a:ext cx="8534400" cy="366801"/>
-          </a:xfrm>
-          <a:prstGeom prst="rect">
-            <a:avLst/>
-          </a:prstGeom>
-          <a:noFill/>
-        </p:spPr>
-        <p:txBody>
-          <a:bodyPr wrap="square" rtlCol="0">
-            <a:spAutoFit/>
-          </a:bodyPr>
-          <a:lstStyle/>
+              <a:t>Crear una funció en ES5 que rebi 2 paràmetres i mostri un alert: "La suma del {valor 1} + {valor2} és: {resultat}".</a:t>
+            </a:r>
+          </a:p>
+          <a:p>
+            <a:endParaRPr lang="en-US"/>
+          </a:p>
           <a:p>
             <a:r>
               <a:rPr lang="en-US"/>
-              <a:t>SESION_11JUL_ARRAYS-BUCLES__1AParte_files</a:t>
-            </a:r>
-          </a:p>
-        </p:txBody>
-      </p:sp>
-      <p:sp>
-        <p:nvSpPr>
-          <p:cNvPr id="9" name="Cuadro de texto 8"/>
-          <p:cNvSpPr txBox="1"/>
-          <p:nvPr/>
-        </p:nvSpPr>
-        <p:spPr>
-          <a:xfrm>
-            <a:off x="2996260" y="6102263"/>
-            <a:ext cx="8534400" cy="366801"/>
-          </a:xfrm>
-          <a:prstGeom prst="rect">
-            <a:avLst/>
-          </a:prstGeom>
-          <a:noFill/>
-        </p:spPr>
-        <p:txBody>
-          <a:bodyPr wrap="square" rtlCol="0">
-            <a:spAutoFit/>
-          </a:bodyPr>
-          <a:lstStyle/>
-          <a:p>
-            <a:r>
-              <a:rPr lang="en-US"/>
-              <a:t>SESION-13JUL2022--ARRAY-ECS5vsECS6-OBJETO_files</a:t>
-            </a:r>
-          </a:p>
-        </p:txBody>
-      </p:sp>
-      <p:sp>
-        <p:nvSpPr>
-          <p:cNvPr id="10" name="Cuadro de texto 9"/>
-          <p:cNvSpPr txBox="1"/>
-          <p:nvPr/>
-        </p:nvSpPr>
-        <p:spPr>
-          <a:xfrm>
-            <a:off x="114438" y="3402316"/>
-            <a:ext cx="341236" cy="366801"/>
-          </a:xfrm>
-          <a:prstGeom prst="rect">
-            <a:avLst/>
-          </a:prstGeom>
-          <a:solidFill>
-            <a:schemeClr val="bg1"/>
-          </a:solidFill>
-          <a:ln w="12700">
-            <a:solidFill>
-              <a:srgbClr val="00B050"/>
-            </a:solidFill>
-          </a:ln>
-        </p:spPr>
-        <p:txBody>
-          <a:bodyPr wrap="square" rtlCol="0">
-            <a:spAutoFit/>
-          </a:bodyPr>
-          <a:lstStyle/>
-          <a:p>
-            <a:r>
-              <a:rPr lang="es-ES"/>
-              <a:t>1</a:t>
-            </a:r>
-            <a:endParaRPr lang="en-US"/>
-          </a:p>
-        </p:txBody>
-      </p:sp>
-      <p:sp>
-        <p:nvSpPr>
-          <p:cNvPr id="11" name="Cuadro de texto 9"/>
-          <p:cNvSpPr txBox="1"/>
-          <p:nvPr/>
-        </p:nvSpPr>
-        <p:spPr>
-          <a:xfrm>
-            <a:off x="114438" y="4143137"/>
-            <a:ext cx="341236" cy="366801"/>
-          </a:xfrm>
-          <a:prstGeom prst="rect">
-            <a:avLst/>
-          </a:prstGeom>
-          <a:solidFill>
-            <a:schemeClr val="bg1"/>
-          </a:solidFill>
-          <a:ln w="12700">
-            <a:solidFill>
-              <a:srgbClr val="00B050"/>
-            </a:solidFill>
-          </a:ln>
-        </p:spPr>
-        <p:txBody>
-          <a:bodyPr wrap="square" rtlCol="0">
-            <a:spAutoFit/>
-          </a:bodyPr>
-          <a:lstStyle/>
-          <a:p>
-            <a:r>
-              <a:rPr lang="es-ES"/>
-              <a:t>2</a:t>
-            </a:r>
-            <a:endParaRPr lang="en-US"/>
-          </a:p>
-        </p:txBody>
-      </p:sp>
-      <p:sp>
-        <p:nvSpPr>
-          <p:cNvPr id="12" name="Cuadro de texto 9"/>
-          <p:cNvSpPr txBox="1"/>
-          <p:nvPr/>
-        </p:nvSpPr>
-        <p:spPr>
-          <a:xfrm>
-            <a:off x="114438" y="4771258"/>
-            <a:ext cx="341236" cy="366801"/>
-          </a:xfrm>
-          <a:prstGeom prst="rect">
-            <a:avLst/>
-          </a:prstGeom>
-          <a:solidFill>
-            <a:schemeClr val="bg1"/>
-          </a:solidFill>
-          <a:ln w="12700">
-            <a:solidFill>
-              <a:srgbClr val="00B050"/>
-            </a:solidFill>
-          </a:ln>
-        </p:spPr>
-        <p:txBody>
-          <a:bodyPr wrap="square" rtlCol="0">
-            <a:spAutoFit/>
-          </a:bodyPr>
-          <a:lstStyle/>
-          <a:p>
-            <a:r>
-              <a:rPr lang="es-ES"/>
-              <a:t>3</a:t>
-            </a:r>
-            <a:endParaRPr lang="en-US"/>
-          </a:p>
-        </p:txBody>
-      </p:sp>
-      <p:sp>
-        <p:nvSpPr>
-          <p:cNvPr id="13" name="Cuadro de texto 9"/>
-          <p:cNvSpPr txBox="1"/>
-          <p:nvPr/>
-        </p:nvSpPr>
-        <p:spPr>
-          <a:xfrm>
-            <a:off x="114438" y="5436760"/>
-            <a:ext cx="341236" cy="366801"/>
-          </a:xfrm>
-          <a:prstGeom prst="rect">
-            <a:avLst/>
-          </a:prstGeom>
-          <a:solidFill>
-            <a:schemeClr val="bg1"/>
-          </a:solidFill>
-          <a:ln w="12700">
-            <a:solidFill>
-              <a:srgbClr val="00B050"/>
-            </a:solidFill>
-          </a:ln>
-        </p:spPr>
-        <p:txBody>
-          <a:bodyPr wrap="square" rtlCol="0">
-            <a:spAutoFit/>
-          </a:bodyPr>
-          <a:lstStyle/>
-          <a:p>
-            <a:r>
-              <a:rPr lang="es-ES"/>
-              <a:t>4</a:t>
-            </a:r>
-            <a:endParaRPr lang="en-US"/>
-          </a:p>
-        </p:txBody>
-      </p:sp>
-      <p:sp>
-        <p:nvSpPr>
-          <p:cNvPr id="14" name="Cuadro de texto 9"/>
-          <p:cNvSpPr txBox="1"/>
-          <p:nvPr/>
-        </p:nvSpPr>
-        <p:spPr>
-          <a:xfrm>
-            <a:off x="96220" y="6102263"/>
-            <a:ext cx="341236" cy="366801"/>
-          </a:xfrm>
-          <a:prstGeom prst="rect">
-            <a:avLst/>
-          </a:prstGeom>
-          <a:solidFill>
-            <a:schemeClr val="bg1"/>
-          </a:solidFill>
-          <a:ln w="12700">
-            <a:solidFill>
-              <a:srgbClr val="00B050"/>
-            </a:solidFill>
-          </a:ln>
-        </p:spPr>
-        <p:txBody>
-          <a:bodyPr wrap="square" rtlCol="0">
-            <a:spAutoFit/>
-          </a:bodyPr>
-          <a:lstStyle/>
-          <a:p>
-            <a:r>
-              <a:rPr lang="es-ES"/>
-              <a:t>5</a:t>
-            </a:r>
+              <a:t>Crear la mateixa funció en ES6.</a:t>
+            </a:r>
+          </a:p>
+          <a:p>
             <a:endParaRPr lang="en-US"/>
           </a:p>
         </p:txBody>
@@ -4453,6 +4252,20 @@
               <a:t>Sesión 13 Julio (ver doc)</a:t>
             </a:r>
           </a:p>
+          <a:p>
+            <a:pPr algn="ctr"/>
+            <a:r>
+              <a:rPr lang="es-ES"/>
+              <a:t> </a:t>
+            </a:r>
+            <a:r>
+              <a:rPr lang="en-US" b="1"/>
+              <a:t>Reptes JavaScript</a:t>
+            </a:r>
+          </a:p>
+          <a:p>
+            <a:endParaRPr lang="es-ES"/>
+          </a:p>
         </p:txBody>
       </p:sp>
       <p:sp>
@@ -4463,8 +4276,8 @@
         </p:nvSpPr>
         <p:spPr>
           <a:xfrm>
-            <a:off x="1828800" y="2148319"/>
-            <a:ext cx="8534400" cy="2561361"/>
+            <a:off x="304800" y="1462519"/>
+            <a:ext cx="8534400" cy="3932962"/>
           </a:xfrm>
           <a:prstGeom prst="rect">
             <a:avLst/>
@@ -4479,37 +4292,469 @@
           <a:p>
             <a:r>
               <a:rPr lang="en-US"/>
-              <a:t>Crear una funció en ES5 que rebi un paràmetre numèric i retorni el doble del valor rebut.</a:t>
+              <a:t>Reptes JavaScript</a:t>
             </a:r>
           </a:p>
           <a:p>
             <a:endParaRPr lang="en-US"/>
           </a:p>
           <a:p>
+            <a:endParaRPr lang="en-US"/>
+          </a:p>
+          <a:p>
             <a:r>
               <a:rPr lang="en-US"/>
-              <a:t>Crear la mateixa funció en ES6.</a:t>
-            </a:r>
-          </a:p>
-          <a:p>
+              <a:t>Crear un programa que demani 2 números num1 i num2 de l'1 al 50 i imprimiu:</a:t>
+            </a:r>
+          </a:p>
+          <a:p>
+            <a:r>
+              <a:rPr lang="en-US"/>
+              <a:t>La suma de tots dos.</a:t>
+            </a:r>
+          </a:p>
+          <a:p>
+            <a:r>
+              <a:rPr lang="en-US"/>
+              <a:t>Si tots dos números són primers o no.</a:t>
+            </a:r>
+          </a:p>
+          <a:p>
+            <a:r>
+              <a:rPr lang="en-US"/>
+              <a:t>Si tots dos números són parells o no.</a:t>
+            </a:r>
+          </a:p>
+          <a:p>
+            <a:r>
+              <a:rPr lang="en-US"/>
+              <a:t>Si num1 és menor que num2, imprimiu només els números parells en el rang entre num1 i num2 ascendent.</a:t>
+            </a:r>
+          </a:p>
+          <a:p>
+            <a:r>
+              <a:rPr lang="en-US"/>
+              <a:t>Si num1 és més gran que num2, imprimeix només els nombres senars en el rang entre num1 i num2 descendent.</a:t>
+            </a:r>
+          </a:p>
+          <a:p>
+            <a:r>
+              <a:rPr lang="en-US"/>
+              <a:t>Si num1 és igual a num2, imprimeix només una vegada si és primer o parell, imprimeix el rang només un número.</a:t>
+            </a:r>
+          </a:p>
+          <a:p>
+            <a:r>
+              <a:rPr lang="en-US"/>
+              <a:t>Si els números no compleixen la condició, cal notificar-ho a l'usuari.</a:t>
+            </a:r>
+          </a:p>
+        </p:txBody>
+      </p:sp>
+    </p:spTree>
+  </p:cSld>
+  <p:clrMapOvr>
+    <a:masterClrMapping/>
+  </p:clrMapOvr>
+</p:sld>
+</file>
+
+<file path=ppt/slides/slide6.xml><?xml version="1.0" encoding="utf-8"?>
+<p:sld xmlns:a="http://schemas.openxmlformats.org/drawingml/2006/main" xmlns:r="http://schemas.openxmlformats.org/officeDocument/2006/relationships" xmlns:p="http://schemas.openxmlformats.org/presentationml/2006/main">
+  <p:cSld>
+    <p:spTree>
+      <p:nvGrpSpPr>
+        <p:cNvPr id="1" name=""/>
+        <p:cNvGrpSpPr/>
+        <p:nvPr/>
+      </p:nvGrpSpPr>
+      <p:grpSpPr>
+        <a:xfrm>
+          <a:off x="0" y="0"/>
+          <a:ext cx="0" cy="0"/>
+          <a:chOff x="0" y="0"/>
+          <a:chExt cx="0" cy="0"/>
+        </a:xfrm>
+      </p:grpSpPr>
+      <p:sp>
+        <p:nvSpPr>
+          <p:cNvPr id="2" name="Título 1">
+            <a:hlinkClick r:id="rId1"/>
+          </p:cNvPr>
+          <p:cNvSpPr>
+            <a:spLocks noGrp="1" noEditPoints="1"/>
+          </p:cNvSpPr>
+          <p:nvPr>
+            <p:ph type="title"/>
+          </p:nvPr>
+        </p:nvSpPr>
+        <p:spPr>
+          <a:xfrm>
+            <a:off x="7098164" y="365125"/>
+            <a:ext cx="4255636" cy="1325563"/>
+          </a:xfrm>
+        </p:spPr>
+        <p:txBody>
+          <a:bodyPr/>
+          <a:lstStyle/>
+          <a:p>
+            <a:r>
+              <a:t>C:\Users\fidel</a:t>
+            </a:r>
+          </a:p>
+        </p:txBody>
+      </p:sp>
+      <p:pic>
+        <p:nvPicPr>
+          <p:cNvPr id="4" name="Imagen 3"/>
+          <p:cNvPicPr>
+            <a:picLocks noChangeAspect="1"/>
+          </p:cNvPicPr>
+          <p:nvPr/>
+        </p:nvPicPr>
+        <p:blipFill>
+          <a:blip r:embed="rId2"/>
+          <a:srcRect/>
+          <a:stretch>
+            <a:fillRect/>
+          </a:stretch>
+        </p:blipFill>
+        <p:spPr>
+          <a:xfrm>
+            <a:off x="0" y="205757"/>
+            <a:ext cx="3865069" cy="6393116"/>
+          </a:xfrm>
+          <a:prstGeom prst="rect">
+            <a:avLst/>
+          </a:prstGeom>
+        </p:spPr>
+      </p:pic>
+      <p:sp>
+        <p:nvSpPr>
+          <p:cNvPr id="5" name="Cuadro de texto 4"/>
+          <p:cNvSpPr txBox="1"/>
+          <p:nvPr/>
+        </p:nvSpPr>
+        <p:spPr>
+          <a:xfrm>
+            <a:off x="4476379" y="3402315"/>
+            <a:ext cx="5243569" cy="366801"/>
+          </a:xfrm>
+          <a:prstGeom prst="rect">
+            <a:avLst/>
+          </a:prstGeom>
+          <a:noFill/>
+        </p:spPr>
+        <p:txBody>
+          <a:bodyPr wrap="square" rtlCol="0">
+            <a:spAutoFit/>
+          </a:bodyPr>
+          <a:lstStyle/>
+          <a:p>
+            <a:r>
+              <a:rPr lang="en-US"/>
+              <a:t>Sesión-29Junio-2022---Intro-JavaScript_files</a:t>
+            </a:r>
+          </a:p>
+        </p:txBody>
+      </p:sp>
+      <p:sp>
+        <p:nvSpPr>
+          <p:cNvPr id="6" name="Cuadro de texto 5"/>
+          <p:cNvSpPr txBox="1"/>
+          <p:nvPr/>
+        </p:nvSpPr>
+        <p:spPr>
+          <a:xfrm>
+            <a:off x="2393831" y="4061773"/>
+            <a:ext cx="9408665" cy="366801"/>
+          </a:xfrm>
+          <a:prstGeom prst="rect">
+            <a:avLst/>
+          </a:prstGeom>
+          <a:noFill/>
+        </p:spPr>
+        <p:txBody>
+          <a:bodyPr wrap="square" rtlCol="0">
+            <a:spAutoFit/>
+          </a:bodyPr>
+          <a:lstStyle/>
+          <a:p>
+            <a:r>
+              <a:rPr lang="en-US"/>
+              <a:t>Javascript-sesión-4JULIO-2022--Scope-Operaciones-Variables-Operadores-Ejerc-Calculadora_files</a:t>
+            </a:r>
+          </a:p>
+        </p:txBody>
+      </p:sp>
+      <p:sp>
+        <p:nvSpPr>
+          <p:cNvPr id="7" name="Cuadro de texto 6"/>
+          <p:cNvSpPr txBox="1"/>
+          <p:nvPr/>
+        </p:nvSpPr>
+        <p:spPr>
+          <a:xfrm>
+            <a:off x="3420791" y="4771258"/>
+            <a:ext cx="8534400" cy="366801"/>
+          </a:xfrm>
+          <a:prstGeom prst="rect">
+            <a:avLst/>
+          </a:prstGeom>
+          <a:noFill/>
+        </p:spPr>
+        <p:txBody>
+          <a:bodyPr wrap="square" rtlCol="0">
+            <a:spAutoFit/>
+          </a:bodyPr>
+          <a:lstStyle/>
+          <a:p>
+            <a:r>
+              <a:rPr lang="en-US"/>
+              <a:t>SESION--06JULIO--JS--Funciones_files</a:t>
+            </a:r>
+          </a:p>
+        </p:txBody>
+      </p:sp>
+      <p:sp>
+        <p:nvSpPr>
+          <p:cNvPr id="8" name="Cuadro de texto 7"/>
+          <p:cNvSpPr txBox="1"/>
+          <p:nvPr/>
+        </p:nvSpPr>
+        <p:spPr>
+          <a:xfrm>
+            <a:off x="3195259" y="5392778"/>
+            <a:ext cx="8534400" cy="366801"/>
+          </a:xfrm>
+          <a:prstGeom prst="rect">
+            <a:avLst/>
+          </a:prstGeom>
+          <a:noFill/>
+        </p:spPr>
+        <p:txBody>
+          <a:bodyPr wrap="square" rtlCol="0">
+            <a:spAutoFit/>
+          </a:bodyPr>
+          <a:lstStyle/>
+          <a:p>
+            <a:r>
+              <a:rPr lang="en-US"/>
+              <a:t>SESION_11JUL_ARRAYS-BUCLES__1AParte_files</a:t>
+            </a:r>
+          </a:p>
+        </p:txBody>
+      </p:sp>
+      <p:sp>
+        <p:nvSpPr>
+          <p:cNvPr id="9" name="Cuadro de texto 8"/>
+          <p:cNvSpPr txBox="1"/>
+          <p:nvPr/>
+        </p:nvSpPr>
+        <p:spPr>
+          <a:xfrm>
+            <a:off x="2996260" y="6102263"/>
+            <a:ext cx="8534400" cy="366801"/>
+          </a:xfrm>
+          <a:prstGeom prst="rect">
+            <a:avLst/>
+          </a:prstGeom>
+          <a:noFill/>
+        </p:spPr>
+        <p:txBody>
+          <a:bodyPr wrap="square" rtlCol="0">
+            <a:spAutoFit/>
+          </a:bodyPr>
+          <a:lstStyle/>
+          <a:p>
+            <a:r>
+              <a:rPr lang="en-US"/>
+              <a:t>SESION-13JUL2022--ARRAY-ECS5vsECS6-OBJETO_files</a:t>
+            </a:r>
+          </a:p>
+        </p:txBody>
+      </p:sp>
+      <p:sp>
+        <p:nvSpPr>
+          <p:cNvPr id="10" name="Cuadro de texto 9"/>
+          <p:cNvSpPr txBox="1"/>
+          <p:nvPr/>
+        </p:nvSpPr>
+        <p:spPr>
+          <a:xfrm>
+            <a:off x="114438" y="3402316"/>
+            <a:ext cx="341236" cy="366801"/>
+          </a:xfrm>
+          <a:prstGeom prst="rect">
+            <a:avLst/>
+          </a:prstGeom>
+          <a:solidFill>
+            <a:schemeClr val="bg1"/>
+          </a:solidFill>
+          <a:ln w="12700">
+            <a:solidFill>
+              <a:srgbClr val="00B050"/>
+            </a:solidFill>
+          </a:ln>
+        </p:spPr>
+        <p:txBody>
+          <a:bodyPr wrap="square" rtlCol="0">
+            <a:spAutoFit/>
+          </a:bodyPr>
+          <a:lstStyle/>
+          <a:p>
+            <a:r>
+              <a:rPr lang="es-ES"/>
+              <a:t>1</a:t>
+            </a:r>
             <a:endParaRPr lang="en-US"/>
           </a:p>
-          <a:p>
-            <a:r>
-              <a:rPr lang="en-US"/>
-              <a:t>Crear una funció en ES5 que rebi 2 paràmetres i mostri un alert: "La suma del {valor 1} + {valor2} és: {resultat}".</a:t>
-            </a:r>
-          </a:p>
-          <a:p>
+        </p:txBody>
+      </p:sp>
+      <p:sp>
+        <p:nvSpPr>
+          <p:cNvPr id="11" name="Cuadro de texto 9"/>
+          <p:cNvSpPr txBox="1"/>
+          <p:nvPr/>
+        </p:nvSpPr>
+        <p:spPr>
+          <a:xfrm>
+            <a:off x="114438" y="4143137"/>
+            <a:ext cx="341236" cy="366801"/>
+          </a:xfrm>
+          <a:prstGeom prst="rect">
+            <a:avLst/>
+          </a:prstGeom>
+          <a:solidFill>
+            <a:schemeClr val="bg1"/>
+          </a:solidFill>
+          <a:ln w="12700">
+            <a:solidFill>
+              <a:srgbClr val="00B050"/>
+            </a:solidFill>
+          </a:ln>
+        </p:spPr>
+        <p:txBody>
+          <a:bodyPr wrap="square" rtlCol="0">
+            <a:spAutoFit/>
+          </a:bodyPr>
+          <a:lstStyle/>
+          <a:p>
+            <a:r>
+              <a:rPr lang="es-ES"/>
+              <a:t>2</a:t>
+            </a:r>
             <a:endParaRPr lang="en-US"/>
           </a:p>
-          <a:p>
-            <a:r>
-              <a:rPr lang="en-US"/>
-              <a:t>Crear la mateixa funció en ES6.</a:t>
-            </a:r>
-          </a:p>
-          <a:p>
+        </p:txBody>
+      </p:sp>
+      <p:sp>
+        <p:nvSpPr>
+          <p:cNvPr id="12" name="Cuadro de texto 9"/>
+          <p:cNvSpPr txBox="1"/>
+          <p:nvPr/>
+        </p:nvSpPr>
+        <p:spPr>
+          <a:xfrm>
+            <a:off x="114438" y="4771258"/>
+            <a:ext cx="341236" cy="366801"/>
+          </a:xfrm>
+          <a:prstGeom prst="rect">
+            <a:avLst/>
+          </a:prstGeom>
+          <a:solidFill>
+            <a:schemeClr val="bg1"/>
+          </a:solidFill>
+          <a:ln w="12700">
+            <a:solidFill>
+              <a:srgbClr val="00B050"/>
+            </a:solidFill>
+          </a:ln>
+        </p:spPr>
+        <p:txBody>
+          <a:bodyPr wrap="square" rtlCol="0">
+            <a:spAutoFit/>
+          </a:bodyPr>
+          <a:lstStyle/>
+          <a:p>
+            <a:r>
+              <a:rPr lang="es-ES"/>
+              <a:t>3</a:t>
+            </a:r>
+            <a:endParaRPr lang="en-US"/>
+          </a:p>
+        </p:txBody>
+      </p:sp>
+      <p:sp>
+        <p:nvSpPr>
+          <p:cNvPr id="13" name="Cuadro de texto 9"/>
+          <p:cNvSpPr txBox="1"/>
+          <p:nvPr/>
+        </p:nvSpPr>
+        <p:spPr>
+          <a:xfrm>
+            <a:off x="114438" y="5436760"/>
+            <a:ext cx="341236" cy="366801"/>
+          </a:xfrm>
+          <a:prstGeom prst="rect">
+            <a:avLst/>
+          </a:prstGeom>
+          <a:solidFill>
+            <a:schemeClr val="bg1"/>
+          </a:solidFill>
+          <a:ln w="12700">
+            <a:solidFill>
+              <a:srgbClr val="00B050"/>
+            </a:solidFill>
+          </a:ln>
+        </p:spPr>
+        <p:txBody>
+          <a:bodyPr wrap="square" rtlCol="0">
+            <a:spAutoFit/>
+          </a:bodyPr>
+          <a:lstStyle/>
+          <a:p>
+            <a:r>
+              <a:rPr lang="es-ES"/>
+              <a:t>4</a:t>
+            </a:r>
+            <a:endParaRPr lang="en-US"/>
+          </a:p>
+        </p:txBody>
+      </p:sp>
+      <p:sp>
+        <p:nvSpPr>
+          <p:cNvPr id="14" name="Cuadro de texto 9"/>
+          <p:cNvSpPr txBox="1"/>
+          <p:nvPr/>
+        </p:nvSpPr>
+        <p:spPr>
+          <a:xfrm>
+            <a:off x="96220" y="6102263"/>
+            <a:ext cx="341236" cy="366801"/>
+          </a:xfrm>
+          <a:prstGeom prst="rect">
+            <a:avLst/>
+          </a:prstGeom>
+          <a:solidFill>
+            <a:schemeClr val="bg1"/>
+          </a:solidFill>
+          <a:ln w="12700">
+            <a:solidFill>
+              <a:srgbClr val="00B050"/>
+            </a:solidFill>
+          </a:ln>
+        </p:spPr>
+        <p:txBody>
+          <a:bodyPr wrap="square" rtlCol="0">
+            <a:spAutoFit/>
+          </a:bodyPr>
+          <a:lstStyle/>
+          <a:p>
+            <a:r>
+              <a:rPr lang="es-ES"/>
+              <a:t>5</a:t>
+            </a:r>
             <a:endParaRPr lang="en-US"/>
           </a:p>
         </p:txBody>

--- a/Ejerccios_propuestos_en_función_de_la_sesión_realizada_Jun-Jul-2022.pptx
+++ b/Ejerccios_propuestos_en_función_de_la_sesión_realizada_Jun-Jul-2022.pptx
@@ -202,7 +202,7 @@
           <a:p>
             <a:fld id="{0811FF9E-DDBF-4837-8A67-BE23349B1FE5}" type="datetimeFigureOut">
               <a:rPr lang="en-US" smtClean="0"/>
-              <a:t>7/16/2022</a:t>
+              <a:t>7/17/2022</a:t>
             </a:fld>
             <a:endParaRPr lang="en-US"/>
           </a:p>
@@ -1196,7 +1196,7 @@
           <a:p>
             <a:fld id="{71FD7FF2-845F-41B9-944F-35B90659B7D6}" type="datetimeFigureOut">
               <a:rPr lang="en-US" smtClean="0"/>
-              <a:t>7/16/2022</a:t>
+              <a:t>7/17/2022</a:t>
             </a:fld>
             <a:endParaRPr lang="en-US"/>
           </a:p>
@@ -1360,7 +1360,7 @@
           <a:p>
             <a:fld id="{71FD7FF2-845F-41B9-944F-35B90659B7D6}" type="datetimeFigureOut">
               <a:rPr lang="en-US" smtClean="0"/>
-              <a:t>7/16/2022</a:t>
+              <a:t>7/17/2022</a:t>
             </a:fld>
             <a:endParaRPr lang="en-US"/>
           </a:p>
@@ -1534,7 +1534,7 @@
           <a:p>
             <a:fld id="{71FD7FF2-845F-41B9-944F-35B90659B7D6}" type="datetimeFigureOut">
               <a:rPr lang="en-US" smtClean="0"/>
-              <a:t>7/16/2022</a:t>
+              <a:t>7/17/2022</a:t>
             </a:fld>
             <a:endParaRPr lang="en-US"/>
           </a:p>
@@ -1698,7 +1698,7 @@
           <a:p>
             <a:fld id="{71FD7FF2-845F-41B9-944F-35B90659B7D6}" type="datetimeFigureOut">
               <a:rPr lang="en-US" smtClean="0"/>
-              <a:t>7/16/2022</a:t>
+              <a:t>7/17/2022</a:t>
             </a:fld>
             <a:endParaRPr lang="en-US"/>
           </a:p>
@@ -1939,7 +1939,7 @@
           <a:p>
             <a:fld id="{71FD7FF2-845F-41B9-944F-35B90659B7D6}" type="datetimeFigureOut">
               <a:rPr lang="en-US" smtClean="0"/>
-              <a:t>7/16/2022</a:t>
+              <a:t>7/17/2022</a:t>
             </a:fld>
             <a:endParaRPr lang="en-US"/>
           </a:p>
@@ -2164,7 +2164,7 @@
           <a:p>
             <a:fld id="{71FD7FF2-845F-41B9-944F-35B90659B7D6}" type="datetimeFigureOut">
               <a:rPr lang="en-US" smtClean="0"/>
-              <a:t>7/16/2022</a:t>
+              <a:t>7/17/2022</a:t>
             </a:fld>
             <a:endParaRPr lang="en-US"/>
           </a:p>
@@ -2524,7 +2524,7 @@
           <a:p>
             <a:fld id="{71FD7FF2-845F-41B9-944F-35B90659B7D6}" type="datetimeFigureOut">
               <a:rPr lang="en-US" smtClean="0"/>
-              <a:t>7/16/2022</a:t>
+              <a:t>7/17/2022</a:t>
             </a:fld>
             <a:endParaRPr lang="en-US"/>
           </a:p>
@@ -2637,7 +2637,7 @@
           <a:p>
             <a:fld id="{71FD7FF2-845F-41B9-944F-35B90659B7D6}" type="datetimeFigureOut">
               <a:rPr lang="en-US" smtClean="0"/>
-              <a:t>7/16/2022</a:t>
+              <a:t>7/17/2022</a:t>
             </a:fld>
             <a:endParaRPr lang="en-US"/>
           </a:p>
@@ -2728,7 +2728,7 @@
           <a:p>
             <a:fld id="{71FD7FF2-845F-41B9-944F-35B90659B7D6}" type="datetimeFigureOut">
               <a:rPr lang="en-US" smtClean="0"/>
-              <a:t>7/16/2022</a:t>
+              <a:t>7/17/2022</a:t>
             </a:fld>
             <a:endParaRPr lang="en-US"/>
           </a:p>
@@ -2999,7 +2999,7 @@
           <a:p>
             <a:fld id="{71FD7FF2-845F-41B9-944F-35B90659B7D6}" type="datetimeFigureOut">
               <a:rPr lang="en-US" smtClean="0"/>
-              <a:t>7/16/2022</a:t>
+              <a:t>7/17/2022</a:t>
             </a:fld>
             <a:endParaRPr lang="en-US"/>
           </a:p>
@@ -3251,7 +3251,7 @@
           <a:p>
             <a:fld id="{71FD7FF2-845F-41B9-944F-35B90659B7D6}" type="datetimeFigureOut">
               <a:rPr lang="en-US" smtClean="0"/>
-              <a:t>7/16/2022</a:t>
+              <a:t>7/17/2022</a:t>
             </a:fld>
             <a:endParaRPr lang="en-US"/>
           </a:p>
@@ -3458,7 +3458,7 @@
           <a:p>
             <a:fld id="{71FD7FF2-845F-41B9-944F-35B90659B7D6}" type="datetimeFigureOut">
               <a:rPr lang="en-US" smtClean="0"/>
-              <a:t>7/16/2022</a:t>
+              <a:t>7/17/2022</a:t>
             </a:fld>
             <a:endParaRPr lang="en-US"/>
           </a:p>
@@ -4062,7 +4062,12 @@
             <p:ph idx="1"/>
           </p:nvPr>
         </p:nvSpPr>
-        <p:spPr/>
+        <p:spPr>
+          <a:xfrm>
+            <a:off x="671786" y="1449004"/>
+            <a:ext cx="10515600" cy="4351338"/>
+          </a:xfrm>
+        </p:spPr>
         <p:txBody>
           <a:bodyPr/>
           <a:lstStyle/>
@@ -4095,6 +4100,34 @@
               <a:rPr sz="1800"/>
               <a:t>let nouPersonatge = new Simpson(nom,edat,color)</a:t>
             </a:r>
+            <a:endParaRPr lang="es-ES" sz="1800"/>
+          </a:p>
+          <a:p>
+            <a:endParaRPr lang="es-ES" sz="1800"/>
+          </a:p>
+          <a:p>
+            <a:r>
+              <a:rPr lang="es-ES" sz="1800"/>
+              <a:t> </a:t>
+            </a:r>
+          </a:p>
+          <a:p>
+            <a:endParaRPr lang="es-ES" sz="1800"/>
+          </a:p>
+          <a:p>
+            <a:endParaRPr lang="es-ES" sz="1800"/>
+          </a:p>
+          <a:p>
+            <a:endParaRPr lang="es-ES" sz="1800"/>
+          </a:p>
+          <a:p>
+            <a:endParaRPr lang="es-ES" sz="1800"/>
+          </a:p>
+          <a:p>
+            <a:pPr marL="0" indent="0">
+              <a:buNone/>
+            </a:pPr>
+            <a:endParaRPr lang="es-ES" sz="1800"/>
           </a:p>
           <a:p>
             <a:endParaRPr sz="1800"/>

--- a/Ejerccios_propuestos_en_función_de_la_sesión_realizada_Jun-Jul-2022.pptx
+++ b/Ejerccios_propuestos_en_función_de_la_sesión_realizada_Jun-Jul-2022.pptx
@@ -14,6 +14,8 @@
     <p:sldId id="259" r:id="rId6"/>
     <p:sldId id="261" r:id="rId7"/>
     <p:sldId id="260" r:id="rId8"/>
+    <p:sldId id="262" r:id="rId9"/>
+    <p:sldId id="263" r:id="rId10"/>
   </p:sldIdLst>
   <p:sldSz cx="12192000" cy="6858000"/>
   <p:notesSz cx="6858000" cy="9144000"/>
@@ -202,7 +204,7 @@
           <a:p>
             <a:fld id="{0811FF9E-DDBF-4837-8A67-BE23349B1FE5}" type="datetimeFigureOut">
               <a:rPr lang="en-US" smtClean="0"/>
-              <a:t>7/17/2022</a:t>
+              <a:t>7/23/2022</a:t>
             </a:fld>
             <a:endParaRPr lang="en-US"/>
           </a:p>
@@ -1066,6 +1068,206 @@
 </p:notes>
 </file>
 
+<file path=ppt/notesSlides/notesSlide7.xml><?xml version="1.0" encoding="utf-8"?>
+<p:notes xmlns:a="http://schemas.openxmlformats.org/drawingml/2006/main" xmlns:r="http://schemas.openxmlformats.org/officeDocument/2006/relationships" xmlns:p="http://schemas.openxmlformats.org/presentationml/2006/main">
+  <p:cSld>
+    <p:spTree>
+      <p:nvGrpSpPr>
+        <p:cNvPr id="1" name=""/>
+        <p:cNvGrpSpPr/>
+        <p:nvPr/>
+      </p:nvGrpSpPr>
+      <p:grpSpPr>
+        <a:xfrm>
+          <a:off x="0" y="0"/>
+          <a:ext cx="0" cy="0"/>
+          <a:chOff x="0" y="0"/>
+          <a:chExt cx="0" cy="0"/>
+        </a:xfrm>
+      </p:grpSpPr>
+      <p:sp>
+        <p:nvSpPr>
+          <p:cNvPr id="2" name="Marcador de posición de imagen de diapositiva 1"/>
+          <p:cNvSpPr>
+            <a:spLocks noGrp="1" noRot="1" noChangeAspect="1" noEditPoints="1"/>
+          </p:cNvSpPr>
+          <p:nvPr>
+            <p:ph type="sldImg"/>
+          </p:nvPr>
+        </p:nvSpPr>
+        <p:spPr>
+          <a:xfrm>
+            <a:off x="381000" y="685800"/>
+            <a:ext cx="6096000" cy="3429000"/>
+          </a:xfrm>
+          <a:prstGeom prst="rect">
+            <a:avLst/>
+          </a:prstGeom>
+        </p:spPr>
+        <p:txBody>
+          <a:bodyPr/>
+          <a:lstStyle/>
+          <a:p/>
+        </p:txBody>
+      </p:sp>
+      <p:sp>
+        <p:nvSpPr>
+          <p:cNvPr id="3" name="Marcador de posición de texto 2"/>
+          <p:cNvSpPr>
+            <a:spLocks noGrp="1" noEditPoints="1"/>
+          </p:cNvSpPr>
+          <p:nvPr>
+            <p:ph type="body" idx="3"/>
+          </p:nvPr>
+        </p:nvSpPr>
+        <p:spPr>
+          <a:prstGeom prst="rect">
+            <a:avLst/>
+          </a:prstGeom>
+        </p:spPr>
+        <p:txBody>
+          <a:bodyPr/>
+          <a:lstStyle/>
+          <a:p>
+            <a:endParaRPr lang="en-US"/>
+          </a:p>
+        </p:txBody>
+      </p:sp>
+      <p:sp>
+        <p:nvSpPr>
+          <p:cNvPr id="4" name="Marcador de posición de número de diapositiva 3"/>
+          <p:cNvSpPr>
+            <a:spLocks noGrp="1" noEditPoints="1"/>
+          </p:cNvSpPr>
+          <p:nvPr>
+            <p:ph type="sldNum" sz="quarter" idx="5"/>
+          </p:nvPr>
+        </p:nvSpPr>
+        <p:spPr>
+          <a:prstGeom prst="rect">
+            <a:avLst/>
+          </a:prstGeom>
+        </p:spPr>
+        <p:txBody>
+          <a:bodyPr/>
+          <a:lstStyle/>
+          <a:p>
+            <a:fld id="{A2913F65-4845-44D0-8E25-8AFA9B281820}" type="slidenum">
+              <a:rPr lang="en-US" smtClean="0"/>
+              <a:t>‹#›</a:t>
+            </a:fld>
+            <a:endParaRPr lang="en-US"/>
+          </a:p>
+        </p:txBody>
+      </p:sp>
+    </p:spTree>
+  </p:cSld>
+  <p:clrMapOvr>
+    <a:masterClrMapping/>
+  </p:clrMapOvr>
+</p:notes>
+</file>
+
+<file path=ppt/notesSlides/notesSlide8.xml><?xml version="1.0" encoding="utf-8"?>
+<p:notes xmlns:a="http://schemas.openxmlformats.org/drawingml/2006/main" xmlns:r="http://schemas.openxmlformats.org/officeDocument/2006/relationships" xmlns:p="http://schemas.openxmlformats.org/presentationml/2006/main">
+  <p:cSld>
+    <p:spTree>
+      <p:nvGrpSpPr>
+        <p:cNvPr id="1" name=""/>
+        <p:cNvGrpSpPr/>
+        <p:nvPr/>
+      </p:nvGrpSpPr>
+      <p:grpSpPr>
+        <a:xfrm>
+          <a:off x="0" y="0"/>
+          <a:ext cx="0" cy="0"/>
+          <a:chOff x="0" y="0"/>
+          <a:chExt cx="0" cy="0"/>
+        </a:xfrm>
+      </p:grpSpPr>
+      <p:sp>
+        <p:nvSpPr>
+          <p:cNvPr id="2" name="Marcador de posición de imagen de diapositiva 1"/>
+          <p:cNvSpPr>
+            <a:spLocks noGrp="1" noRot="1" noChangeAspect="1" noEditPoints="1"/>
+          </p:cNvSpPr>
+          <p:nvPr>
+            <p:ph type="sldImg"/>
+          </p:nvPr>
+        </p:nvSpPr>
+        <p:spPr>
+          <a:xfrm>
+            <a:off x="381000" y="685800"/>
+            <a:ext cx="6096000" cy="3429000"/>
+          </a:xfrm>
+          <a:prstGeom prst="rect">
+            <a:avLst/>
+          </a:prstGeom>
+        </p:spPr>
+        <p:txBody>
+          <a:bodyPr/>
+          <a:lstStyle/>
+          <a:p/>
+        </p:txBody>
+      </p:sp>
+      <p:sp>
+        <p:nvSpPr>
+          <p:cNvPr id="3" name="Marcador de posición de texto 2"/>
+          <p:cNvSpPr>
+            <a:spLocks noGrp="1" noEditPoints="1"/>
+          </p:cNvSpPr>
+          <p:nvPr>
+            <p:ph type="body" idx="3"/>
+          </p:nvPr>
+        </p:nvSpPr>
+        <p:spPr>
+          <a:prstGeom prst="rect">
+            <a:avLst/>
+          </a:prstGeom>
+        </p:spPr>
+        <p:txBody>
+          <a:bodyPr/>
+          <a:lstStyle/>
+          <a:p>
+            <a:endParaRPr lang="en-US"/>
+          </a:p>
+        </p:txBody>
+      </p:sp>
+      <p:sp>
+        <p:nvSpPr>
+          <p:cNvPr id="4" name="Marcador de posición de número de diapositiva 3"/>
+          <p:cNvSpPr>
+            <a:spLocks noGrp="1" noEditPoints="1"/>
+          </p:cNvSpPr>
+          <p:nvPr>
+            <p:ph type="sldNum" sz="quarter" idx="5"/>
+          </p:nvPr>
+        </p:nvSpPr>
+        <p:spPr>
+          <a:prstGeom prst="rect">
+            <a:avLst/>
+          </a:prstGeom>
+        </p:spPr>
+        <p:txBody>
+          <a:bodyPr/>
+          <a:lstStyle/>
+          <a:p>
+            <a:fld id="{DC125B54-2F86-40D1-9E62-1F0CF6CE6730}" type="slidenum">
+              <a:rPr lang="en-US" smtClean="0"/>
+              <a:t>‹#›</a:t>
+            </a:fld>
+            <a:endParaRPr lang="en-US"/>
+          </a:p>
+        </p:txBody>
+      </p:sp>
+    </p:spTree>
+  </p:cSld>
+  <p:clrMapOvr>
+    <a:masterClrMapping/>
+  </p:clrMapOvr>
+</p:notes>
+</file>
+
 <file path=ppt/slideLayouts/slideLayout1.xml><?xml version="1.0" encoding="utf-8"?>
 <p:sldLayout xmlns:a="http://schemas.openxmlformats.org/drawingml/2006/main" xmlns:r="http://schemas.openxmlformats.org/officeDocument/2006/relationships" xmlns:p="http://schemas.openxmlformats.org/presentationml/2006/main" type="title" preserve="1">
   <p:cSld name="Diapositiva de título">
@@ -1196,7 +1398,7 @@
           <a:p>
             <a:fld id="{71FD7FF2-845F-41B9-944F-35B90659B7D6}" type="datetimeFigureOut">
               <a:rPr lang="en-US" smtClean="0"/>
-              <a:t>7/17/2022</a:t>
+              <a:t>7/23/2022</a:t>
             </a:fld>
             <a:endParaRPr lang="en-US"/>
           </a:p>
@@ -1360,7 +1562,7 @@
           <a:p>
             <a:fld id="{71FD7FF2-845F-41B9-944F-35B90659B7D6}" type="datetimeFigureOut">
               <a:rPr lang="en-US" smtClean="0"/>
-              <a:t>7/17/2022</a:t>
+              <a:t>7/23/2022</a:t>
             </a:fld>
             <a:endParaRPr lang="en-US"/>
           </a:p>
@@ -1534,7 +1736,7 @@
           <a:p>
             <a:fld id="{71FD7FF2-845F-41B9-944F-35B90659B7D6}" type="datetimeFigureOut">
               <a:rPr lang="en-US" smtClean="0"/>
-              <a:t>7/17/2022</a:t>
+              <a:t>7/23/2022</a:t>
             </a:fld>
             <a:endParaRPr lang="en-US"/>
           </a:p>
@@ -1698,7 +1900,7 @@
           <a:p>
             <a:fld id="{71FD7FF2-845F-41B9-944F-35B90659B7D6}" type="datetimeFigureOut">
               <a:rPr lang="en-US" smtClean="0"/>
-              <a:t>7/17/2022</a:t>
+              <a:t>7/23/2022</a:t>
             </a:fld>
             <a:endParaRPr lang="en-US"/>
           </a:p>
@@ -1939,7 +2141,7 @@
           <a:p>
             <a:fld id="{71FD7FF2-845F-41B9-944F-35B90659B7D6}" type="datetimeFigureOut">
               <a:rPr lang="en-US" smtClean="0"/>
-              <a:t>7/17/2022</a:t>
+              <a:t>7/23/2022</a:t>
             </a:fld>
             <a:endParaRPr lang="en-US"/>
           </a:p>
@@ -2164,7 +2366,7 @@
           <a:p>
             <a:fld id="{71FD7FF2-845F-41B9-944F-35B90659B7D6}" type="datetimeFigureOut">
               <a:rPr lang="en-US" smtClean="0"/>
-              <a:t>7/17/2022</a:t>
+              <a:t>7/23/2022</a:t>
             </a:fld>
             <a:endParaRPr lang="en-US"/>
           </a:p>
@@ -2524,7 +2726,7 @@
           <a:p>
             <a:fld id="{71FD7FF2-845F-41B9-944F-35B90659B7D6}" type="datetimeFigureOut">
               <a:rPr lang="en-US" smtClean="0"/>
-              <a:t>7/17/2022</a:t>
+              <a:t>7/23/2022</a:t>
             </a:fld>
             <a:endParaRPr lang="en-US"/>
           </a:p>
@@ -2637,7 +2839,7 @@
           <a:p>
             <a:fld id="{71FD7FF2-845F-41B9-944F-35B90659B7D6}" type="datetimeFigureOut">
               <a:rPr lang="en-US" smtClean="0"/>
-              <a:t>7/17/2022</a:t>
+              <a:t>7/23/2022</a:t>
             </a:fld>
             <a:endParaRPr lang="en-US"/>
           </a:p>
@@ -2728,7 +2930,7 @@
           <a:p>
             <a:fld id="{71FD7FF2-845F-41B9-944F-35B90659B7D6}" type="datetimeFigureOut">
               <a:rPr lang="en-US" smtClean="0"/>
-              <a:t>7/17/2022</a:t>
+              <a:t>7/23/2022</a:t>
             </a:fld>
             <a:endParaRPr lang="en-US"/>
           </a:p>
@@ -2999,7 +3201,7 @@
           <a:p>
             <a:fld id="{71FD7FF2-845F-41B9-944F-35B90659B7D6}" type="datetimeFigureOut">
               <a:rPr lang="en-US" smtClean="0"/>
-              <a:t>7/17/2022</a:t>
+              <a:t>7/23/2022</a:t>
             </a:fld>
             <a:endParaRPr lang="en-US"/>
           </a:p>
@@ -3251,7 +3453,7 @@
           <a:p>
             <a:fld id="{71FD7FF2-845F-41B9-944F-35B90659B7D6}" type="datetimeFigureOut">
               <a:rPr lang="en-US" smtClean="0"/>
-              <a:t>7/17/2022</a:t>
+              <a:t>7/23/2022</a:t>
             </a:fld>
             <a:endParaRPr lang="en-US"/>
           </a:p>
@@ -3458,7 +3660,7 @@
           <a:p>
             <a:fld id="{71FD7FF2-845F-41B9-944F-35B90659B7D6}" type="datetimeFigureOut">
               <a:rPr lang="en-US" smtClean="0"/>
-              <a:t>7/17/2022</a:t>
+              <a:t>7/23/2022</a:t>
             </a:fld>
             <a:endParaRPr lang="en-US"/>
           </a:p>
@@ -4787,6 +4989,313 @@
             <a:r>
               <a:rPr lang="es-ES"/>
               <a:t>5</a:t>
+            </a:r>
+            <a:endParaRPr lang="en-US"/>
+          </a:p>
+        </p:txBody>
+      </p:sp>
+    </p:spTree>
+  </p:cSld>
+  <p:clrMapOvr>
+    <a:masterClrMapping/>
+  </p:clrMapOvr>
+</p:sld>
+</file>
+
+<file path=ppt/slides/slide7.xml><?xml version="1.0" encoding="utf-8"?>
+<p:sld xmlns:a="http://schemas.openxmlformats.org/drawingml/2006/main" xmlns:r="http://schemas.openxmlformats.org/officeDocument/2006/relationships" xmlns:p="http://schemas.openxmlformats.org/presentationml/2006/main">
+  <p:cSld>
+    <p:spTree>
+      <p:nvGrpSpPr>
+        <p:cNvPr id="1" name=""/>
+        <p:cNvGrpSpPr/>
+        <p:nvPr/>
+      </p:nvGrpSpPr>
+      <p:grpSpPr>
+        <a:xfrm>
+          <a:off x="0" y="0"/>
+          <a:ext cx="0" cy="0"/>
+          <a:chOff x="0" y="0"/>
+          <a:chExt cx="0" cy="0"/>
+        </a:xfrm>
+      </p:grpSpPr>
+      <p:sp>
+        <p:nvSpPr>
+          <p:cNvPr id="2" name="Título 1">
+            <a:hlinkClick r:id="rId1"/>
+          </p:cNvPr>
+          <p:cNvSpPr>
+            <a:spLocks noGrp="1" noEditPoints="1"/>
+          </p:cNvSpPr>
+          <p:nvPr>
+            <p:ph type="title"/>
+          </p:nvPr>
+        </p:nvSpPr>
+        <p:spPr>
+          <a:xfrm>
+            <a:off x="7098164" y="365125"/>
+            <a:ext cx="4255636" cy="1325563"/>
+          </a:xfrm>
+        </p:spPr>
+        <p:txBody>
+          <a:bodyPr/>
+          <a:lstStyle/>
+          <a:p>
+            <a:r>
+              <a:t>C:\Users\fidel</a:t>
+            </a:r>
+          </a:p>
+        </p:txBody>
+      </p:sp>
+      <p:sp>
+        <p:nvSpPr>
+          <p:cNvPr id="9" name="Cuadro de texto 8"/>
+          <p:cNvSpPr txBox="1"/>
+          <p:nvPr/>
+        </p:nvSpPr>
+        <p:spPr>
+          <a:xfrm>
+            <a:off x="1185548" y="1507288"/>
+            <a:ext cx="8534400" cy="366801"/>
+          </a:xfrm>
+          <a:prstGeom prst="rect">
+            <a:avLst/>
+          </a:prstGeom>
+          <a:noFill/>
+        </p:spPr>
+        <p:txBody>
+          <a:bodyPr wrap="square" rtlCol="0">
+            <a:spAutoFit/>
+          </a:bodyPr>
+          <a:lstStyle/>
+          <a:p>
+            <a:r>
+              <a:rPr lang="en-US"/>
+              <a:t>SESION-1</a:t>
+            </a:r>
+            <a:r>
+              <a:rPr lang="es-ES"/>
+              <a:t>8</a:t>
+            </a:r>
+            <a:r>
+              <a:rPr lang="en-US"/>
+              <a:t>JUL2022--</a:t>
+            </a:r>
+          </a:p>
+        </p:txBody>
+      </p:sp>
+      <p:sp>
+        <p:nvSpPr>
+          <p:cNvPr id="14" name="Cuadro de texto 9"/>
+          <p:cNvSpPr txBox="1"/>
+          <p:nvPr/>
+        </p:nvSpPr>
+        <p:spPr>
+          <a:xfrm>
+            <a:off x="315186" y="1507287"/>
+            <a:ext cx="341236" cy="366801"/>
+          </a:xfrm>
+          <a:prstGeom prst="rect">
+            <a:avLst/>
+          </a:prstGeom>
+          <a:solidFill>
+            <a:schemeClr val="bg1"/>
+          </a:solidFill>
+          <a:ln w="12700">
+            <a:solidFill>
+              <a:srgbClr val="00B050"/>
+            </a:solidFill>
+          </a:ln>
+        </p:spPr>
+        <p:txBody>
+          <a:bodyPr wrap="square" rtlCol="0">
+            <a:spAutoFit/>
+          </a:bodyPr>
+          <a:lstStyle/>
+          <a:p>
+            <a:r>
+              <a:rPr lang="es-ES"/>
+              <a:t>6</a:t>
+            </a:r>
+            <a:endParaRPr lang="en-US"/>
+          </a:p>
+        </p:txBody>
+      </p:sp>
+    </p:spTree>
+  </p:cSld>
+  <p:clrMapOvr>
+    <a:masterClrMapping/>
+  </p:clrMapOvr>
+</p:sld>
+</file>
+
+<file path=ppt/slides/slide8.xml><?xml version="1.0" encoding="utf-8"?>
+<p:sld xmlns:a="http://schemas.openxmlformats.org/drawingml/2006/main" xmlns:r="http://schemas.openxmlformats.org/officeDocument/2006/relationships" xmlns:p="http://schemas.openxmlformats.org/presentationml/2006/main">
+  <p:cSld>
+    <p:spTree>
+      <p:nvGrpSpPr>
+        <p:cNvPr id="1" name=""/>
+        <p:cNvGrpSpPr/>
+        <p:nvPr/>
+      </p:nvGrpSpPr>
+      <p:grpSpPr>
+        <a:xfrm>
+          <a:off x="0" y="0"/>
+          <a:ext cx="0" cy="0"/>
+          <a:chOff x="0" y="0"/>
+          <a:chExt cx="0" cy="0"/>
+        </a:xfrm>
+      </p:grpSpPr>
+      <p:pic>
+        <p:nvPicPr>
+          <p:cNvPr id="4" name="Imagen 3"/>
+          <p:cNvPicPr>
+            <a:picLocks noChangeAspect="1"/>
+          </p:cNvPicPr>
+          <p:nvPr/>
+        </p:nvPicPr>
+        <p:blipFill>
+          <a:blip r:embed="rId1"/>
+          <a:srcRect l="2321" t="-2562" r="20896" b="7683"/>
+          <a:stretch/>
+        </p:blipFill>
+        <p:spPr>
+          <a:xfrm>
+            <a:off x="118009" y="1529440"/>
+            <a:ext cx="3831023" cy="780223"/>
+          </a:xfrm>
+          <a:prstGeom prst="rect">
+            <a:avLst/>
+          </a:prstGeom>
+        </p:spPr>
+      </p:pic>
+      <p:sp>
+        <p:nvSpPr>
+          <p:cNvPr id="5" name="Cuadro de texto 4"/>
+          <p:cNvSpPr txBox="1"/>
+          <p:nvPr/>
+        </p:nvSpPr>
+        <p:spPr>
+          <a:xfrm>
+            <a:off x="3949032" y="2037263"/>
+            <a:ext cx="1877848" cy="518970"/>
+          </a:xfrm>
+          <a:prstGeom prst="rect">
+            <a:avLst/>
+          </a:prstGeom>
+          <a:noFill/>
+        </p:spPr>
+        <p:txBody>
+          <a:bodyPr wrap="square" rtlCol="0">
+            <a:spAutoFit/>
+          </a:bodyPr>
+          <a:lstStyle/>
+          <a:p>
+            <a:r>
+              <a:rPr lang="en-US" sz="1400">
+                <a:hlinkClick r:id="rId2"/>
+              </a:rPr>
+              <a:t>ioliveto@uoc.edu</a:t>
+            </a:r>
+            <a:endParaRPr lang="es-ES" sz="1400"/>
+          </a:p>
+          <a:p>
+            <a:endParaRPr lang="es-ES" sz="1400"/>
+          </a:p>
+        </p:txBody>
+      </p:sp>
+      <p:sp>
+        <p:nvSpPr>
+          <p:cNvPr id="6" name="Cuadro de texto 5"/>
+          <p:cNvSpPr txBox="1"/>
+          <p:nvPr/>
+        </p:nvSpPr>
+        <p:spPr>
+          <a:xfrm>
+            <a:off x="3949033" y="1529440"/>
+            <a:ext cx="2077545" cy="518970"/>
+          </a:xfrm>
+          <a:prstGeom prst="rect">
+            <a:avLst/>
+          </a:prstGeom>
+          <a:noFill/>
+        </p:spPr>
+        <p:txBody>
+          <a:bodyPr wrap="square" rtlCol="0">
+            <a:spAutoFit/>
+          </a:bodyPr>
+          <a:lstStyle/>
+          <a:p>
+            <a:r>
+              <a:rPr lang="en-US" sz="1400">
+                <a:hlinkClick r:id="rId3"/>
+              </a:rPr>
+              <a:t>jsanpons@uoc.edu</a:t>
+            </a:r>
+            <a:endParaRPr lang="es-ES" sz="1400"/>
+          </a:p>
+          <a:p>
+            <a:endParaRPr lang="es-ES" sz="1400"/>
+          </a:p>
+        </p:txBody>
+      </p:sp>
+      <p:sp>
+        <p:nvSpPr>
+          <p:cNvPr id="7" name="Cuadro de texto 6"/>
+          <p:cNvSpPr txBox="1"/>
+          <p:nvPr/>
+        </p:nvSpPr>
+        <p:spPr>
+          <a:xfrm>
+            <a:off x="3949033" y="1788925"/>
+            <a:ext cx="2120233" cy="305610"/>
+          </a:xfrm>
+          <a:prstGeom prst="rect">
+            <a:avLst/>
+          </a:prstGeom>
+          <a:noFill/>
+        </p:spPr>
+        <p:txBody>
+          <a:bodyPr wrap="square" rtlCol="0">
+            <a:spAutoFit/>
+          </a:bodyPr>
+          <a:lstStyle/>
+          <a:p>
+            <a:r>
+              <a:rPr lang="en-US" sz="1400">
+                <a:hlinkClick r:id="rId4"/>
+              </a:rPr>
+              <a:t>fde_los_riscos@uoc.edu</a:t>
+            </a:r>
+            <a:endParaRPr lang="es-ES" sz="1400"/>
+          </a:p>
+        </p:txBody>
+      </p:sp>
+      <p:sp>
+        <p:nvSpPr>
+          <p:cNvPr id="8" name="Cuadro de texto 7"/>
+          <p:cNvSpPr txBox="1"/>
+          <p:nvPr/>
+        </p:nvSpPr>
+        <p:spPr>
+          <a:xfrm>
+            <a:off x="6328104" y="1727734"/>
+            <a:ext cx="2531241" cy="366801"/>
+          </a:xfrm>
+          <a:prstGeom prst="rect">
+            <a:avLst/>
+          </a:prstGeom>
+          <a:noFill/>
+        </p:spPr>
+        <p:txBody>
+          <a:bodyPr wrap="square" rtlCol="0">
+            <a:spAutoFit/>
+          </a:bodyPr>
+          <a:lstStyle/>
+          <a:p>
+            <a:r>
+              <a:rPr lang="es-ES"/>
+              <a:t>fde_los_riscos@uoc.edu</a:t>
             </a:r>
             <a:endParaRPr lang="en-US"/>
           </a:p>

--- a/Ejerccios_propuestos_en_función_de_la_sesión_realizada_Jun-Jul-2022.pptx
+++ b/Ejerccios_propuestos_en_función_de_la_sesión_realizada_Jun-Jul-2022.pptx
@@ -16,6 +16,7 @@
     <p:sldId id="260" r:id="rId8"/>
     <p:sldId id="262" r:id="rId9"/>
     <p:sldId id="263" r:id="rId10"/>
+    <p:sldId id="264" r:id="rId11"/>
   </p:sldIdLst>
   <p:sldSz cx="12192000" cy="6858000"/>
   <p:notesSz cx="6858000" cy="9144000"/>
@@ -204,7 +205,7 @@
           <a:p>
             <a:fld id="{0811FF9E-DDBF-4837-8A67-BE23349B1FE5}" type="datetimeFigureOut">
               <a:rPr lang="en-US" smtClean="0"/>
-              <a:t>7/23/2022</a:t>
+              <a:t>7/24/2022</a:t>
             </a:fld>
             <a:endParaRPr lang="en-US"/>
           </a:p>
@@ -1268,6 +1269,106 @@
 </p:notes>
 </file>
 
+<file path=ppt/notesSlides/notesSlide9.xml><?xml version="1.0" encoding="utf-8"?>
+<p:notes xmlns:a="http://schemas.openxmlformats.org/drawingml/2006/main" xmlns:r="http://schemas.openxmlformats.org/officeDocument/2006/relationships" xmlns:p="http://schemas.openxmlformats.org/presentationml/2006/main">
+  <p:cSld>
+    <p:spTree>
+      <p:nvGrpSpPr>
+        <p:cNvPr id="1" name=""/>
+        <p:cNvGrpSpPr/>
+        <p:nvPr/>
+      </p:nvGrpSpPr>
+      <p:grpSpPr>
+        <a:xfrm>
+          <a:off x="0" y="0"/>
+          <a:ext cx="0" cy="0"/>
+          <a:chOff x="0" y="0"/>
+          <a:chExt cx="0" cy="0"/>
+        </a:xfrm>
+      </p:grpSpPr>
+      <p:sp>
+        <p:nvSpPr>
+          <p:cNvPr id="2" name="Marcador de posición de imagen de diapositiva 1"/>
+          <p:cNvSpPr>
+            <a:spLocks noGrp="1" noRot="1" noChangeAspect="1" noEditPoints="1"/>
+          </p:cNvSpPr>
+          <p:nvPr>
+            <p:ph type="sldImg"/>
+          </p:nvPr>
+        </p:nvSpPr>
+        <p:spPr>
+          <a:xfrm>
+            <a:off x="381000" y="685800"/>
+            <a:ext cx="6096000" cy="3429000"/>
+          </a:xfrm>
+          <a:prstGeom prst="rect">
+            <a:avLst/>
+          </a:prstGeom>
+        </p:spPr>
+        <p:txBody>
+          <a:bodyPr/>
+          <a:lstStyle/>
+          <a:p/>
+        </p:txBody>
+      </p:sp>
+      <p:sp>
+        <p:nvSpPr>
+          <p:cNvPr id="3" name="Marcador de posición de texto 2"/>
+          <p:cNvSpPr>
+            <a:spLocks noGrp="1" noEditPoints="1"/>
+          </p:cNvSpPr>
+          <p:nvPr>
+            <p:ph type="body" idx="3"/>
+          </p:nvPr>
+        </p:nvSpPr>
+        <p:spPr>
+          <a:prstGeom prst="rect">
+            <a:avLst/>
+          </a:prstGeom>
+        </p:spPr>
+        <p:txBody>
+          <a:bodyPr/>
+          <a:lstStyle/>
+          <a:p>
+            <a:endParaRPr lang="en-US"/>
+          </a:p>
+        </p:txBody>
+      </p:sp>
+      <p:sp>
+        <p:nvSpPr>
+          <p:cNvPr id="4" name="Marcador de posición de número de diapositiva 3"/>
+          <p:cNvSpPr>
+            <a:spLocks noGrp="1" noEditPoints="1"/>
+          </p:cNvSpPr>
+          <p:nvPr>
+            <p:ph type="sldNum" sz="quarter" idx="5"/>
+          </p:nvPr>
+        </p:nvSpPr>
+        <p:spPr>
+          <a:prstGeom prst="rect">
+            <a:avLst/>
+          </a:prstGeom>
+        </p:spPr>
+        <p:txBody>
+          <a:bodyPr/>
+          <a:lstStyle/>
+          <a:p>
+            <a:fld id="{87EDF53E-3207-44B6-BA36-1E48E43C9620}" type="slidenum">
+              <a:rPr lang="en-US" smtClean="0"/>
+              <a:t>‹#›</a:t>
+            </a:fld>
+            <a:endParaRPr lang="en-US"/>
+          </a:p>
+        </p:txBody>
+      </p:sp>
+    </p:spTree>
+  </p:cSld>
+  <p:clrMapOvr>
+    <a:masterClrMapping/>
+  </p:clrMapOvr>
+</p:notes>
+</file>
+
 <file path=ppt/slideLayouts/slideLayout1.xml><?xml version="1.0" encoding="utf-8"?>
 <p:sldLayout xmlns:a="http://schemas.openxmlformats.org/drawingml/2006/main" xmlns:r="http://schemas.openxmlformats.org/officeDocument/2006/relationships" xmlns:p="http://schemas.openxmlformats.org/presentationml/2006/main" type="title" preserve="1">
   <p:cSld name="Diapositiva de título">
@@ -1398,7 +1499,7 @@
           <a:p>
             <a:fld id="{71FD7FF2-845F-41B9-944F-35B90659B7D6}" type="datetimeFigureOut">
               <a:rPr lang="en-US" smtClean="0"/>
-              <a:t>7/23/2022</a:t>
+              <a:t>7/24/2022</a:t>
             </a:fld>
             <a:endParaRPr lang="en-US"/>
           </a:p>
@@ -1562,7 +1663,7 @@
           <a:p>
             <a:fld id="{71FD7FF2-845F-41B9-944F-35B90659B7D6}" type="datetimeFigureOut">
               <a:rPr lang="en-US" smtClean="0"/>
-              <a:t>7/23/2022</a:t>
+              <a:t>7/24/2022</a:t>
             </a:fld>
             <a:endParaRPr lang="en-US"/>
           </a:p>
@@ -1736,7 +1837,7 @@
           <a:p>
             <a:fld id="{71FD7FF2-845F-41B9-944F-35B90659B7D6}" type="datetimeFigureOut">
               <a:rPr lang="en-US" smtClean="0"/>
-              <a:t>7/23/2022</a:t>
+              <a:t>7/24/2022</a:t>
             </a:fld>
             <a:endParaRPr lang="en-US"/>
           </a:p>
@@ -1900,7 +2001,7 @@
           <a:p>
             <a:fld id="{71FD7FF2-845F-41B9-944F-35B90659B7D6}" type="datetimeFigureOut">
               <a:rPr lang="en-US" smtClean="0"/>
-              <a:t>7/23/2022</a:t>
+              <a:t>7/24/2022</a:t>
             </a:fld>
             <a:endParaRPr lang="en-US"/>
           </a:p>
@@ -2141,7 +2242,7 @@
           <a:p>
             <a:fld id="{71FD7FF2-845F-41B9-944F-35B90659B7D6}" type="datetimeFigureOut">
               <a:rPr lang="en-US" smtClean="0"/>
-              <a:t>7/23/2022</a:t>
+              <a:t>7/24/2022</a:t>
             </a:fld>
             <a:endParaRPr lang="en-US"/>
           </a:p>
@@ -2366,7 +2467,7 @@
           <a:p>
             <a:fld id="{71FD7FF2-845F-41B9-944F-35B90659B7D6}" type="datetimeFigureOut">
               <a:rPr lang="en-US" smtClean="0"/>
-              <a:t>7/23/2022</a:t>
+              <a:t>7/24/2022</a:t>
             </a:fld>
             <a:endParaRPr lang="en-US"/>
           </a:p>
@@ -2726,7 +2827,7 @@
           <a:p>
             <a:fld id="{71FD7FF2-845F-41B9-944F-35B90659B7D6}" type="datetimeFigureOut">
               <a:rPr lang="en-US" smtClean="0"/>
-              <a:t>7/23/2022</a:t>
+              <a:t>7/24/2022</a:t>
             </a:fld>
             <a:endParaRPr lang="en-US"/>
           </a:p>
@@ -2839,7 +2940,7 @@
           <a:p>
             <a:fld id="{71FD7FF2-845F-41B9-944F-35B90659B7D6}" type="datetimeFigureOut">
               <a:rPr lang="en-US" smtClean="0"/>
-              <a:t>7/23/2022</a:t>
+              <a:t>7/24/2022</a:t>
             </a:fld>
             <a:endParaRPr lang="en-US"/>
           </a:p>
@@ -2930,7 +3031,7 @@
           <a:p>
             <a:fld id="{71FD7FF2-845F-41B9-944F-35B90659B7D6}" type="datetimeFigureOut">
               <a:rPr lang="en-US" smtClean="0"/>
-              <a:t>7/23/2022</a:t>
+              <a:t>7/24/2022</a:t>
             </a:fld>
             <a:endParaRPr lang="en-US"/>
           </a:p>
@@ -3201,7 +3302,7 @@
           <a:p>
             <a:fld id="{71FD7FF2-845F-41B9-944F-35B90659B7D6}" type="datetimeFigureOut">
               <a:rPr lang="en-US" smtClean="0"/>
-              <a:t>7/23/2022</a:t>
+              <a:t>7/24/2022</a:t>
             </a:fld>
             <a:endParaRPr lang="en-US"/>
           </a:p>
@@ -3453,7 +3554,7 @@
           <a:p>
             <a:fld id="{71FD7FF2-845F-41B9-944F-35B90659B7D6}" type="datetimeFigureOut">
               <a:rPr lang="en-US" smtClean="0"/>
-              <a:t>7/23/2022</a:t>
+              <a:t>7/24/2022</a:t>
             </a:fld>
             <a:endParaRPr lang="en-US"/>
           </a:p>
@@ -3660,7 +3761,7 @@
           <a:p>
             <a:fld id="{71FD7FF2-845F-41B9-944F-35B90659B7D6}" type="datetimeFigureOut">
               <a:rPr lang="en-US" smtClean="0"/>
-              <a:t>7/23/2022</a:t>
+              <a:t>7/24/2022</a:t>
             </a:fld>
             <a:endParaRPr lang="en-US"/>
           </a:p>
@@ -5298,6 +5399,64 @@
               <a:t>fde_los_riscos@uoc.edu</a:t>
             </a:r>
             <a:endParaRPr lang="en-US"/>
+          </a:p>
+        </p:txBody>
+      </p:sp>
+    </p:spTree>
+  </p:cSld>
+  <p:clrMapOvr>
+    <a:masterClrMapping/>
+  </p:clrMapOvr>
+</p:sld>
+</file>
+
+<file path=ppt/slides/slide9.xml><?xml version="1.0" encoding="utf-8"?>
+<p:sld xmlns:a="http://schemas.openxmlformats.org/drawingml/2006/main" xmlns:r="http://schemas.openxmlformats.org/officeDocument/2006/relationships" xmlns:p="http://schemas.openxmlformats.org/presentationml/2006/main">
+  <p:cSld>
+    <p:spTree>
+      <p:nvGrpSpPr>
+        <p:cNvPr id="1" name=""/>
+        <p:cNvGrpSpPr/>
+        <p:nvPr/>
+      </p:nvGrpSpPr>
+      <p:grpSpPr>
+        <a:xfrm>
+          <a:off x="0" y="0"/>
+          <a:ext cx="0" cy="0"/>
+          <a:chOff x="0" y="0"/>
+          <a:chExt cx="0" cy="0"/>
+        </a:xfrm>
+      </p:grpSpPr>
+      <p:sp>
+        <p:nvSpPr>
+          <p:cNvPr id="4" name="Cuadro de texto 3"/>
+          <p:cNvSpPr txBox="1"/>
+          <p:nvPr/>
+        </p:nvSpPr>
+        <p:spPr>
+          <a:xfrm>
+            <a:off x="620110" y="1102716"/>
+            <a:ext cx="8534400" cy="641121"/>
+          </a:xfrm>
+          <a:prstGeom prst="rect">
+            <a:avLst/>
+          </a:prstGeom>
+          <a:noFill/>
+        </p:spPr>
+        <p:txBody>
+          <a:bodyPr wrap="square" rtlCol="0">
+            <a:spAutoFit/>
+          </a:bodyPr>
+          <a:lstStyle/>
+          <a:p>
+            <a:r>
+              <a:rPr lang="es-ES"/>
+              <a:t>DEBUG---</a:t>
+            </a:r>
+            <a:r>
+              <a:rPr lang="en-US"/>
+              <a:t>es el nombre que se le da al proceso de encontrar y eliminar los errores que pueden cometer softwares y hardwares</a:t>
+            </a:r>
           </a:p>
         </p:txBody>
       </p:sp>

--- a/Ejerccios_propuestos_en_función_de_la_sesión_realizada_Jun-Jul-2022.pptx
+++ b/Ejerccios_propuestos_en_función_de_la_sesión_realizada_Jun-Jul-2022.pptx
@@ -1353,7 +1353,7 @@
           <a:bodyPr/>
           <a:lstStyle/>
           <a:p>
-            <a:fld id="{87EDF53E-3207-44B6-BA36-1E48E43C9620}" type="slidenum">
+            <a:fld id="{C48090A4-A9D8-4828-81DE-AB634DAB6A0F}" type="slidenum">
               <a:rPr lang="en-US" smtClean="0"/>
               <a:t>‹#›</a:t>
             </a:fld>
@@ -5436,7 +5436,7 @@
         <p:spPr>
           <a:xfrm>
             <a:off x="620110" y="1102716"/>
-            <a:ext cx="8534400" cy="641121"/>
+            <a:ext cx="8534400" cy="6127522"/>
           </a:xfrm>
           <a:prstGeom prst="rect">
             <a:avLst/>
@@ -5457,6 +5457,85 @@
               <a:rPr lang="en-US"/>
               <a:t>es el nombre que se le da al proceso de encontrar y eliminar los errores que pueden cometer softwares y hardwares</a:t>
             </a:r>
+            <a:endParaRPr lang="es-ES"/>
+          </a:p>
+          <a:p>
+            <a:r>
+              <a:rPr lang="es-ES"/>
+              <a:t>DEPURAR</a:t>
+            </a:r>
+          </a:p>
+          <a:p>
+            <a:endParaRPr lang="es-ES"/>
+          </a:p>
+          <a:p>
+            <a:endParaRPr lang="es-ES"/>
+          </a:p>
+          <a:p>
+            <a:endParaRPr lang="es-ES"/>
+          </a:p>
+          <a:p>
+            <a:endParaRPr lang="es-ES"/>
+          </a:p>
+          <a:p>
+            <a:endParaRPr lang="es-ES"/>
+          </a:p>
+          <a:p>
+            <a:r>
+              <a:rPr lang="es-ES"/>
+              <a:t>Juramento de sal --Alvaro de Luna</a:t>
+            </a:r>
+          </a:p>
+          <a:p>
+            <a:endParaRPr lang="es-ES"/>
+          </a:p>
+          <a:p>
+            <a:r>
+              <a:rPr lang="es-ES"/>
+              <a:t>Field of Gold----Sting</a:t>
+            </a:r>
+          </a:p>
+          <a:p>
+            <a:endParaRPr lang="es-ES"/>
+          </a:p>
+          <a:p>
+            <a:r>
+              <a:rPr lang="es-ES"/>
+              <a:t>Giran y van -Antonio Orozco</a:t>
+            </a:r>
+          </a:p>
+          <a:p>
+            <a:endParaRPr lang="es-ES"/>
+          </a:p>
+          <a:p>
+            <a:r>
+              <a:rPr lang="es-ES"/>
+              <a:t>All by myself</a:t>
+            </a:r>
+          </a:p>
+          <a:p>
+            <a:endParaRPr lang="es-ES"/>
+          </a:p>
+          <a:p>
+            <a:r>
+              <a:rPr lang="es-ES"/>
+              <a:t>Dharma Sebastian Yatra</a:t>
+            </a:r>
+          </a:p>
+          <a:p>
+            <a:endParaRPr lang="es-ES"/>
+          </a:p>
+          <a:p>
+            <a:endParaRPr lang="es-ES"/>
+          </a:p>
+          <a:p>
+            <a:endParaRPr lang="es-ES"/>
+          </a:p>
+          <a:p>
+            <a:endParaRPr lang="es-ES"/>
+          </a:p>
+          <a:p>
+            <a:endParaRPr lang="es-ES"/>
           </a:p>
         </p:txBody>
       </p:sp>
